--- a/Reduced/progress.pptx
+++ b/Reduced/progress.pptx
@@ -6,6 +6,7 @@
   </p:sldMasterIdLst>
   <p:sldIdLst>
     <p:sldId id="256" r:id="rId2"/>
+    <p:sldId id="257" r:id="rId3"/>
   </p:sldIdLst>
   <p:sldSz cx="12192000" cy="6858000"/>
   <p:notesSz cx="6858000" cy="9144000"/>
@@ -104,6 +105,11 @@
       </a:defRPr>
     </a:lvl9pPr>
   </p:defaultTextStyle>
+  <p:extLst>
+    <p:ext uri="{EFAFB233-063F-42B5-8137-9DF3F51BA10A}">
+      <p15:sldGuideLst xmlns:p15="http://schemas.microsoft.com/office/powerpoint/2012/main"/>
+    </p:ext>
+  </p:extLst>
 </p:presentation>
 </file>
 
@@ -4567,6 +4573,98 @@
     <p:extLst>
       <p:ext uri="{BB962C8B-B14F-4D97-AF65-F5344CB8AC3E}">
         <p14:creationId xmlns:p14="http://schemas.microsoft.com/office/powerpoint/2010/main" val="3456708456"/>
+      </p:ext>
+    </p:extLst>
+  </p:cSld>
+  <p:clrMapOvr>
+    <a:masterClrMapping/>
+  </p:clrMapOvr>
+</p:sld>
+</file>
+
+<file path=ppt/slides/slide2.xml><?xml version="1.0" encoding="utf-8"?>
+<p:sld xmlns:a="http://schemas.openxmlformats.org/drawingml/2006/main" xmlns:r="http://schemas.openxmlformats.org/officeDocument/2006/relationships" xmlns:p="http://schemas.openxmlformats.org/presentationml/2006/main">
+  <p:cSld>
+    <p:spTree>
+      <p:nvGrpSpPr>
+        <p:cNvPr id="1" name=""/>
+        <p:cNvGrpSpPr/>
+        <p:nvPr/>
+      </p:nvGrpSpPr>
+      <p:grpSpPr>
+        <a:xfrm>
+          <a:off x="0" y="0"/>
+          <a:ext cx="0" cy="0"/>
+          <a:chOff x="0" y="0"/>
+          <a:chExt cx="0" cy="0"/>
+        </a:xfrm>
+      </p:grpSpPr>
+      <p:sp>
+        <p:nvSpPr>
+          <p:cNvPr id="2" name="TextBox 1"/>
+          <p:cNvSpPr txBox="1"/>
+          <p:nvPr/>
+        </p:nvSpPr>
+        <p:spPr>
+          <a:xfrm>
+            <a:off x="589935" y="747252"/>
+            <a:ext cx="5586337" cy="1477328"/>
+          </a:xfrm>
+          <a:prstGeom prst="rect">
+            <a:avLst/>
+          </a:prstGeom>
+          <a:noFill/>
+        </p:spPr>
+        <p:txBody>
+          <a:bodyPr wrap="none" rtlCol="0">
+            <a:spAutoFit/>
+          </a:bodyPr>
+          <a:lstStyle/>
+          <a:p>
+            <a:r>
+              <a:rPr lang="en-US" dirty="0" smtClean="0"/>
+              <a:t>Key assumptions:</a:t>
+            </a:r>
+          </a:p>
+          <a:p>
+            <a:endParaRPr lang="en-US" dirty="0"/>
+          </a:p>
+          <a:p>
+            <a:pPr marL="285750" indent="-285750">
+              <a:buFontTx/>
+              <a:buChar char="-"/>
+            </a:pPr>
+            <a:r>
+              <a:rPr lang="en-US" dirty="0" smtClean="0"/>
+              <a:t>Transmission line limits relaxed in some cases</a:t>
+            </a:r>
+          </a:p>
+          <a:p>
+            <a:pPr marL="285750" indent="-285750">
+              <a:buFontTx/>
+              <a:buChar char="-"/>
+            </a:pPr>
+            <a:r>
+              <a:rPr lang="en-US" dirty="0" smtClean="0"/>
+              <a:t>Generator maximum constraints relaxed in some cases</a:t>
+            </a:r>
+          </a:p>
+          <a:p>
+            <a:pPr marL="742950" lvl="1" indent="-285750">
+              <a:buFontTx/>
+              <a:buChar char="-"/>
+            </a:pPr>
+            <a:r>
+              <a:rPr lang="en-US" dirty="0"/>
+              <a:t>ELCAJN_7_GT1</a:t>
+            </a:r>
+          </a:p>
+        </p:txBody>
+      </p:sp>
+    </p:spTree>
+    <p:extLst>
+      <p:ext uri="{BB962C8B-B14F-4D97-AF65-F5344CB8AC3E}">
+        <p14:creationId xmlns:p14="http://schemas.microsoft.com/office/powerpoint/2010/main" val="2714439611"/>
       </p:ext>
     </p:extLst>
   </p:cSld>

--- a/Reduced/progress.pptx
+++ b/Reduced/progress.pptx
@@ -4569,6 +4569,591 @@
           </a:p>
         </p:txBody>
       </p:sp>
+      <p:sp>
+        <p:nvSpPr>
+          <p:cNvPr id="40" name="Rectangle 39"/>
+          <p:cNvSpPr/>
+          <p:nvPr/>
+        </p:nvSpPr>
+        <p:spPr>
+          <a:xfrm>
+            <a:off x="7857285" y="439675"/>
+            <a:ext cx="500134" cy="195328"/>
+          </a:xfrm>
+          <a:prstGeom prst="rect">
+            <a:avLst/>
+          </a:prstGeom>
+          <a:solidFill>
+            <a:schemeClr val="accent1">
+              <a:alpha val="48000"/>
+            </a:schemeClr>
+          </a:solidFill>
+        </p:spPr>
+        <p:style>
+          <a:lnRef idx="2">
+            <a:schemeClr val="accent1">
+              <a:shade val="50000"/>
+            </a:schemeClr>
+          </a:lnRef>
+          <a:fillRef idx="1">
+            <a:schemeClr val="accent1"/>
+          </a:fillRef>
+          <a:effectRef idx="0">
+            <a:schemeClr val="accent1"/>
+          </a:effectRef>
+          <a:fontRef idx="minor">
+            <a:schemeClr val="lt1"/>
+          </a:fontRef>
+        </p:style>
+        <p:txBody>
+          <a:bodyPr rtlCol="0" anchor="ctr"/>
+          <a:lstStyle/>
+          <a:p>
+            <a:pPr algn="ctr"/>
+            <a:endParaRPr lang="en-US"/>
+          </a:p>
+        </p:txBody>
+      </p:sp>
+      <p:sp>
+        <p:nvSpPr>
+          <p:cNvPr id="41" name="Rectangle 40"/>
+          <p:cNvSpPr/>
+          <p:nvPr/>
+        </p:nvSpPr>
+        <p:spPr>
+          <a:xfrm>
+            <a:off x="9316638" y="959774"/>
+            <a:ext cx="423934" cy="220095"/>
+          </a:xfrm>
+          <a:prstGeom prst="rect">
+            <a:avLst/>
+          </a:prstGeom>
+          <a:solidFill>
+            <a:schemeClr val="accent1">
+              <a:alpha val="48000"/>
+            </a:schemeClr>
+          </a:solidFill>
+        </p:spPr>
+        <p:style>
+          <a:lnRef idx="2">
+            <a:schemeClr val="accent1">
+              <a:shade val="50000"/>
+            </a:schemeClr>
+          </a:lnRef>
+          <a:fillRef idx="1">
+            <a:schemeClr val="accent1"/>
+          </a:fillRef>
+          <a:effectRef idx="0">
+            <a:schemeClr val="accent1"/>
+          </a:effectRef>
+          <a:fontRef idx="minor">
+            <a:schemeClr val="lt1"/>
+          </a:fontRef>
+        </p:style>
+        <p:txBody>
+          <a:bodyPr rtlCol="0" anchor="ctr"/>
+          <a:lstStyle/>
+          <a:p>
+            <a:pPr algn="ctr"/>
+            <a:endParaRPr lang="en-US"/>
+          </a:p>
+        </p:txBody>
+      </p:sp>
+      <p:sp>
+        <p:nvSpPr>
+          <p:cNvPr id="42" name="Rectangle 41"/>
+          <p:cNvSpPr/>
+          <p:nvPr/>
+        </p:nvSpPr>
+        <p:spPr>
+          <a:xfrm>
+            <a:off x="8694665" y="887823"/>
+            <a:ext cx="449335" cy="292047"/>
+          </a:xfrm>
+          <a:prstGeom prst="rect">
+            <a:avLst/>
+          </a:prstGeom>
+          <a:solidFill>
+            <a:schemeClr val="accent1">
+              <a:alpha val="48000"/>
+            </a:schemeClr>
+          </a:solidFill>
+        </p:spPr>
+        <p:style>
+          <a:lnRef idx="2">
+            <a:schemeClr val="accent1">
+              <a:shade val="50000"/>
+            </a:schemeClr>
+          </a:lnRef>
+          <a:fillRef idx="1">
+            <a:schemeClr val="accent1"/>
+          </a:fillRef>
+          <a:effectRef idx="0">
+            <a:schemeClr val="accent1"/>
+          </a:effectRef>
+          <a:fontRef idx="minor">
+            <a:schemeClr val="lt1"/>
+          </a:fontRef>
+        </p:style>
+        <p:txBody>
+          <a:bodyPr rtlCol="0" anchor="ctr"/>
+          <a:lstStyle/>
+          <a:p>
+            <a:pPr algn="ctr"/>
+            <a:endParaRPr lang="en-US"/>
+          </a:p>
+        </p:txBody>
+      </p:sp>
+      <p:sp>
+        <p:nvSpPr>
+          <p:cNvPr id="43" name="Rectangle 42"/>
+          <p:cNvSpPr/>
+          <p:nvPr/>
+        </p:nvSpPr>
+        <p:spPr>
+          <a:xfrm>
+            <a:off x="8603225" y="452767"/>
+            <a:ext cx="422788" cy="176498"/>
+          </a:xfrm>
+          <a:prstGeom prst="rect">
+            <a:avLst/>
+          </a:prstGeom>
+          <a:solidFill>
+            <a:schemeClr val="accent1">
+              <a:alpha val="48000"/>
+            </a:schemeClr>
+          </a:solidFill>
+        </p:spPr>
+        <p:style>
+          <a:lnRef idx="2">
+            <a:schemeClr val="accent1">
+              <a:shade val="50000"/>
+            </a:schemeClr>
+          </a:lnRef>
+          <a:fillRef idx="1">
+            <a:schemeClr val="accent1"/>
+          </a:fillRef>
+          <a:effectRef idx="0">
+            <a:schemeClr val="accent1"/>
+          </a:effectRef>
+          <a:fontRef idx="minor">
+            <a:schemeClr val="lt1"/>
+          </a:fontRef>
+        </p:style>
+        <p:txBody>
+          <a:bodyPr rtlCol="0" anchor="ctr"/>
+          <a:lstStyle/>
+          <a:p>
+            <a:pPr algn="ctr"/>
+            <a:endParaRPr lang="en-US"/>
+          </a:p>
+        </p:txBody>
+      </p:sp>
+      <p:sp>
+        <p:nvSpPr>
+          <p:cNvPr id="44" name="Rectangle 43"/>
+          <p:cNvSpPr/>
+          <p:nvPr/>
+        </p:nvSpPr>
+        <p:spPr>
+          <a:xfrm>
+            <a:off x="9368011" y="637003"/>
+            <a:ext cx="372561" cy="219512"/>
+          </a:xfrm>
+          <a:prstGeom prst="rect">
+            <a:avLst/>
+          </a:prstGeom>
+          <a:solidFill>
+            <a:schemeClr val="accent1">
+              <a:alpha val="48000"/>
+            </a:schemeClr>
+          </a:solidFill>
+        </p:spPr>
+        <p:style>
+          <a:lnRef idx="2">
+            <a:schemeClr val="accent1">
+              <a:shade val="50000"/>
+            </a:schemeClr>
+          </a:lnRef>
+          <a:fillRef idx="1">
+            <a:schemeClr val="accent1"/>
+          </a:fillRef>
+          <a:effectRef idx="0">
+            <a:schemeClr val="accent1"/>
+          </a:effectRef>
+          <a:fontRef idx="minor">
+            <a:schemeClr val="lt1"/>
+          </a:fontRef>
+        </p:style>
+        <p:txBody>
+          <a:bodyPr rtlCol="0" anchor="ctr"/>
+          <a:lstStyle/>
+          <a:p>
+            <a:pPr algn="ctr"/>
+            <a:endParaRPr lang="en-US"/>
+          </a:p>
+        </p:txBody>
+      </p:sp>
+      <p:sp>
+        <p:nvSpPr>
+          <p:cNvPr id="45" name="Rectangle 44"/>
+          <p:cNvSpPr/>
+          <p:nvPr/>
+        </p:nvSpPr>
+        <p:spPr>
+          <a:xfrm>
+            <a:off x="9892972" y="787403"/>
+            <a:ext cx="500134" cy="250064"/>
+          </a:xfrm>
+          <a:prstGeom prst="rect">
+            <a:avLst/>
+          </a:prstGeom>
+          <a:solidFill>
+            <a:schemeClr val="accent1">
+              <a:alpha val="48000"/>
+            </a:schemeClr>
+          </a:solidFill>
+        </p:spPr>
+        <p:style>
+          <a:lnRef idx="2">
+            <a:schemeClr val="accent1">
+              <a:shade val="50000"/>
+            </a:schemeClr>
+          </a:lnRef>
+          <a:fillRef idx="1">
+            <a:schemeClr val="accent1"/>
+          </a:fillRef>
+          <a:effectRef idx="0">
+            <a:schemeClr val="accent1"/>
+          </a:effectRef>
+          <a:fontRef idx="minor">
+            <a:schemeClr val="lt1"/>
+          </a:fontRef>
+        </p:style>
+        <p:txBody>
+          <a:bodyPr rtlCol="0" anchor="ctr"/>
+          <a:lstStyle/>
+          <a:p>
+            <a:pPr algn="ctr"/>
+            <a:endParaRPr lang="en-US"/>
+          </a:p>
+        </p:txBody>
+      </p:sp>
+      <p:sp>
+        <p:nvSpPr>
+          <p:cNvPr id="46" name="Rectangle 45"/>
+          <p:cNvSpPr/>
+          <p:nvPr/>
+        </p:nvSpPr>
+        <p:spPr>
+          <a:xfrm>
+            <a:off x="9922879" y="452767"/>
+            <a:ext cx="440321" cy="220544"/>
+          </a:xfrm>
+          <a:prstGeom prst="rect">
+            <a:avLst/>
+          </a:prstGeom>
+          <a:solidFill>
+            <a:schemeClr val="accent1">
+              <a:alpha val="48000"/>
+            </a:schemeClr>
+          </a:solidFill>
+        </p:spPr>
+        <p:style>
+          <a:lnRef idx="2">
+            <a:schemeClr val="accent1">
+              <a:shade val="50000"/>
+            </a:schemeClr>
+          </a:lnRef>
+          <a:fillRef idx="1">
+            <a:schemeClr val="accent1"/>
+          </a:fillRef>
+          <a:effectRef idx="0">
+            <a:schemeClr val="accent1"/>
+          </a:effectRef>
+          <a:fontRef idx="minor">
+            <a:schemeClr val="lt1"/>
+          </a:fontRef>
+        </p:style>
+        <p:txBody>
+          <a:bodyPr rtlCol="0" anchor="ctr"/>
+          <a:lstStyle/>
+          <a:p>
+            <a:pPr algn="ctr"/>
+            <a:endParaRPr lang="en-US"/>
+          </a:p>
+        </p:txBody>
+      </p:sp>
+      <p:sp>
+        <p:nvSpPr>
+          <p:cNvPr id="47" name="Rectangle 46"/>
+          <p:cNvSpPr/>
+          <p:nvPr/>
+        </p:nvSpPr>
+        <p:spPr>
+          <a:xfrm>
+            <a:off x="9922879" y="1179869"/>
+            <a:ext cx="423934" cy="220095"/>
+          </a:xfrm>
+          <a:prstGeom prst="rect">
+            <a:avLst/>
+          </a:prstGeom>
+          <a:solidFill>
+            <a:schemeClr val="accent1">
+              <a:alpha val="48000"/>
+            </a:schemeClr>
+          </a:solidFill>
+        </p:spPr>
+        <p:style>
+          <a:lnRef idx="2">
+            <a:schemeClr val="accent1">
+              <a:shade val="50000"/>
+            </a:schemeClr>
+          </a:lnRef>
+          <a:fillRef idx="1">
+            <a:schemeClr val="accent1"/>
+          </a:fillRef>
+          <a:effectRef idx="0">
+            <a:schemeClr val="accent1"/>
+          </a:effectRef>
+          <a:fontRef idx="minor">
+            <a:schemeClr val="lt1"/>
+          </a:fontRef>
+        </p:style>
+        <p:txBody>
+          <a:bodyPr rtlCol="0" anchor="ctr"/>
+          <a:lstStyle/>
+          <a:p>
+            <a:pPr algn="ctr"/>
+            <a:endParaRPr lang="en-US"/>
+          </a:p>
+        </p:txBody>
+      </p:sp>
+      <p:sp>
+        <p:nvSpPr>
+          <p:cNvPr id="48" name="Rectangle 47"/>
+          <p:cNvSpPr/>
+          <p:nvPr/>
+        </p:nvSpPr>
+        <p:spPr>
+          <a:xfrm>
+            <a:off x="7892025" y="776667"/>
+            <a:ext cx="465394" cy="183107"/>
+          </a:xfrm>
+          <a:prstGeom prst="rect">
+            <a:avLst/>
+          </a:prstGeom>
+          <a:solidFill>
+            <a:schemeClr val="accent1">
+              <a:alpha val="48000"/>
+            </a:schemeClr>
+          </a:solidFill>
+        </p:spPr>
+        <p:style>
+          <a:lnRef idx="2">
+            <a:schemeClr val="accent1">
+              <a:shade val="50000"/>
+            </a:schemeClr>
+          </a:lnRef>
+          <a:fillRef idx="1">
+            <a:schemeClr val="accent1"/>
+          </a:fillRef>
+          <a:effectRef idx="0">
+            <a:schemeClr val="accent1"/>
+          </a:effectRef>
+          <a:fontRef idx="minor">
+            <a:schemeClr val="lt1"/>
+          </a:fontRef>
+        </p:style>
+        <p:txBody>
+          <a:bodyPr rtlCol="0" anchor="ctr"/>
+          <a:lstStyle/>
+          <a:p>
+            <a:pPr algn="ctr"/>
+            <a:endParaRPr lang="en-US"/>
+          </a:p>
+        </p:txBody>
+      </p:sp>
+      <p:sp>
+        <p:nvSpPr>
+          <p:cNvPr id="49" name="Rectangle 48"/>
+          <p:cNvSpPr/>
+          <p:nvPr/>
+        </p:nvSpPr>
+        <p:spPr>
+          <a:xfrm>
+            <a:off x="7721600" y="1421634"/>
+            <a:ext cx="508000" cy="188343"/>
+          </a:xfrm>
+          <a:prstGeom prst="rect">
+            <a:avLst/>
+          </a:prstGeom>
+          <a:solidFill>
+            <a:schemeClr val="accent1">
+              <a:alpha val="48000"/>
+            </a:schemeClr>
+          </a:solidFill>
+        </p:spPr>
+        <p:style>
+          <a:lnRef idx="2">
+            <a:schemeClr val="accent1">
+              <a:shade val="50000"/>
+            </a:schemeClr>
+          </a:lnRef>
+          <a:fillRef idx="1">
+            <a:schemeClr val="accent1"/>
+          </a:fillRef>
+          <a:effectRef idx="0">
+            <a:schemeClr val="accent1"/>
+          </a:effectRef>
+          <a:fontRef idx="minor">
+            <a:schemeClr val="lt1"/>
+          </a:fontRef>
+        </p:style>
+        <p:txBody>
+          <a:bodyPr rtlCol="0" anchor="ctr"/>
+          <a:lstStyle/>
+          <a:p>
+            <a:pPr algn="ctr"/>
+            <a:endParaRPr lang="en-US"/>
+          </a:p>
+        </p:txBody>
+      </p:sp>
+      <p:sp>
+        <p:nvSpPr>
+          <p:cNvPr id="50" name="Rectangle 49"/>
+          <p:cNvSpPr/>
+          <p:nvPr/>
+        </p:nvSpPr>
+        <p:spPr>
+          <a:xfrm>
+            <a:off x="8518013" y="1464958"/>
+            <a:ext cx="419509" cy="164683"/>
+          </a:xfrm>
+          <a:prstGeom prst="rect">
+            <a:avLst/>
+          </a:prstGeom>
+          <a:solidFill>
+            <a:schemeClr val="accent1">
+              <a:alpha val="48000"/>
+            </a:schemeClr>
+          </a:solidFill>
+        </p:spPr>
+        <p:style>
+          <a:lnRef idx="2">
+            <a:schemeClr val="accent1">
+              <a:shade val="50000"/>
+            </a:schemeClr>
+          </a:lnRef>
+          <a:fillRef idx="1">
+            <a:schemeClr val="accent1"/>
+          </a:fillRef>
+          <a:effectRef idx="0">
+            <a:schemeClr val="accent1"/>
+          </a:effectRef>
+          <a:fontRef idx="minor">
+            <a:schemeClr val="lt1"/>
+          </a:fontRef>
+        </p:style>
+        <p:txBody>
+          <a:bodyPr rtlCol="0" anchor="ctr"/>
+          <a:lstStyle/>
+          <a:p>
+            <a:pPr algn="ctr"/>
+            <a:endParaRPr lang="en-US"/>
+          </a:p>
+        </p:txBody>
+      </p:sp>
+      <p:sp>
+        <p:nvSpPr>
+          <p:cNvPr id="51" name="Rectangle 50"/>
+          <p:cNvSpPr/>
+          <p:nvPr/>
+        </p:nvSpPr>
+        <p:spPr>
+          <a:xfrm>
+            <a:off x="7765845" y="1754073"/>
+            <a:ext cx="463755" cy="234305"/>
+          </a:xfrm>
+          <a:prstGeom prst="rect">
+            <a:avLst/>
+          </a:prstGeom>
+          <a:solidFill>
+            <a:schemeClr val="accent1">
+              <a:alpha val="48000"/>
+            </a:schemeClr>
+          </a:solidFill>
+        </p:spPr>
+        <p:style>
+          <a:lnRef idx="2">
+            <a:schemeClr val="accent1">
+              <a:shade val="50000"/>
+            </a:schemeClr>
+          </a:lnRef>
+          <a:fillRef idx="1">
+            <a:schemeClr val="accent1"/>
+          </a:fillRef>
+          <a:effectRef idx="0">
+            <a:schemeClr val="accent1"/>
+          </a:effectRef>
+          <a:fontRef idx="minor">
+            <a:schemeClr val="lt1"/>
+          </a:fontRef>
+        </p:style>
+        <p:txBody>
+          <a:bodyPr rtlCol="0" anchor="ctr"/>
+          <a:lstStyle/>
+          <a:p>
+            <a:pPr algn="ctr"/>
+            <a:endParaRPr lang="en-US"/>
+          </a:p>
+        </p:txBody>
+      </p:sp>
+      <p:sp>
+        <p:nvSpPr>
+          <p:cNvPr id="52" name="Rectangle 51"/>
+          <p:cNvSpPr/>
+          <p:nvPr/>
+        </p:nvSpPr>
+        <p:spPr>
+          <a:xfrm>
+            <a:off x="8395110" y="1789338"/>
+            <a:ext cx="419509" cy="284592"/>
+          </a:xfrm>
+          <a:prstGeom prst="rect">
+            <a:avLst/>
+          </a:prstGeom>
+          <a:solidFill>
+            <a:schemeClr val="accent1">
+              <a:alpha val="48000"/>
+            </a:schemeClr>
+          </a:solidFill>
+        </p:spPr>
+        <p:style>
+          <a:lnRef idx="2">
+            <a:schemeClr val="accent1">
+              <a:shade val="50000"/>
+            </a:schemeClr>
+          </a:lnRef>
+          <a:fillRef idx="1">
+            <a:schemeClr val="accent1"/>
+          </a:fillRef>
+          <a:effectRef idx="0">
+            <a:schemeClr val="accent1"/>
+          </a:effectRef>
+          <a:fontRef idx="minor">
+            <a:schemeClr val="lt1"/>
+          </a:fontRef>
+        </p:style>
+        <p:txBody>
+          <a:bodyPr rtlCol="0" anchor="ctr"/>
+          <a:lstStyle/>
+          <a:p>
+            <a:pPr algn="ctr"/>
+            <a:endParaRPr lang="en-US"/>
+          </a:p>
+        </p:txBody>
+      </p:sp>
     </p:spTree>
     <p:extLst>
       <p:ext uri="{BB962C8B-B14F-4D97-AF65-F5344CB8AC3E}">
@@ -4608,7 +5193,7 @@
         <p:spPr>
           <a:xfrm>
             <a:off x="589935" y="747252"/>
-            <a:ext cx="5586337" cy="1477328"/>
+            <a:ext cx="5586337" cy="3970318"/>
           </a:xfrm>
           <a:prstGeom prst="rect">
             <a:avLst/>
@@ -4655,8 +5240,101 @@
               <a:buChar char="-"/>
             </a:pPr>
             <a:r>
+              <a:rPr lang="en-US" dirty="0" smtClean="0"/>
+              <a:t>ELCAJN_7_GT1</a:t>
+            </a:r>
+          </a:p>
+          <a:p>
+            <a:pPr marL="742950" lvl="1" indent="-285750">
+              <a:buFontTx/>
+              <a:buChar char="-"/>
+            </a:pPr>
+            <a:r>
+              <a:rPr lang="en-US" dirty="0" err="1" smtClean="0"/>
+              <a:t>BoulderPk</a:t>
+            </a:r>
+            <a:endParaRPr lang="en-US" dirty="0" smtClean="0"/>
+          </a:p>
+          <a:p>
+            <a:pPr marL="742950" lvl="1" indent="-285750">
+              <a:buFontTx/>
+              <a:buChar char="-"/>
+            </a:pPr>
+            <a:r>
+              <a:rPr lang="en-US" dirty="0" smtClean="0"/>
+              <a:t>Wycnrgy2</a:t>
+            </a:r>
+          </a:p>
+          <a:p>
+            <a:pPr marL="742950" lvl="1" indent="-285750">
+              <a:buFontTx/>
+              <a:buChar char="-"/>
+            </a:pPr>
+            <a:r>
               <a:rPr lang="en-US" dirty="0"/>
-              <a:t>ELCAJN_7_GT1</a:t>
+              <a:t>Fredonia4</a:t>
+            </a:r>
+            <a:r>
+              <a:rPr lang="en-US" dirty="0"/>
+              <a:t> </a:t>
+            </a:r>
+            <a:endParaRPr lang="en-US" dirty="0" smtClean="0"/>
+          </a:p>
+          <a:p>
+            <a:pPr marL="742950" lvl="1" indent="-285750">
+              <a:buFontTx/>
+              <a:buChar char="-"/>
+            </a:pPr>
+            <a:r>
+              <a:rPr lang="en-US" dirty="0" smtClean="0"/>
+              <a:t>San Mateo must run</a:t>
+            </a:r>
+          </a:p>
+          <a:p>
+            <a:pPr marL="742950" lvl="1" indent="-285750">
+              <a:buFontTx/>
+              <a:buChar char="-"/>
+            </a:pPr>
+            <a:r>
+              <a:rPr lang="en-US" dirty="0" smtClean="0"/>
+              <a:t>OAK_C_7_UNITS</a:t>
+            </a:r>
+          </a:p>
+          <a:p>
+            <a:pPr marL="742950" lvl="1" indent="-285750">
+              <a:buFontTx/>
+              <a:buChar char="-"/>
+            </a:pPr>
+            <a:endParaRPr lang="en-US" dirty="0"/>
+          </a:p>
+          <a:p>
+            <a:pPr marL="285750" indent="-285750">
+              <a:buFontTx/>
+              <a:buChar char="-"/>
+            </a:pPr>
+            <a:r>
+              <a:rPr lang="en-US" dirty="0" smtClean="0"/>
+              <a:t>Removed some units</a:t>
+            </a:r>
+          </a:p>
+          <a:p>
+            <a:pPr marL="742950" lvl="1" indent="-285750">
+              <a:buFontTx/>
+              <a:buChar char="-"/>
+            </a:pPr>
+            <a:r>
+              <a:rPr lang="en-US" dirty="0" smtClean="0"/>
+              <a:t>Check must run</a:t>
+            </a:r>
+          </a:p>
+          <a:p>
+            <a:pPr marL="742950" lvl="1" indent="-285750">
+              <a:buFontTx/>
+              <a:buChar char="-"/>
+            </a:pPr>
+            <a:r>
+              <a:rPr lang="en-US" dirty="0" smtClean="0"/>
+              <a:t>Check hydro</a:t>
             </a:r>
           </a:p>
         </p:txBody>
